--- a/Presentation.pptx
+++ b/Presentation.pptx
@@ -3867,7 +3867,7 @@
           <a:bodyPr/>
           <a:lstStyle/>
           <a:p>
-            <a:endParaRPr lang="en-US"/>
+            <a:endParaRPr lang="en-US" dirty="0"/>
           </a:p>
         </p:txBody>
       </p:sp>

--- a/Presentation.pptx
+++ b/Presentation.pptx
@@ -5,12 +5,17 @@
     <p:sldMasterId id="2147483648" r:id="rId1"/>
   </p:sldMasterIdLst>
   <p:notesMasterIdLst>
-    <p:notesMasterId r:id="rId5"/>
+    <p:notesMasterId r:id="rId10"/>
   </p:notesMasterIdLst>
   <p:sldIdLst>
     <p:sldId id="257" r:id="rId2"/>
     <p:sldId id="260" r:id="rId3"/>
-    <p:sldId id="261" r:id="rId4"/>
+    <p:sldId id="262" r:id="rId4"/>
+    <p:sldId id="263" r:id="rId5"/>
+    <p:sldId id="264" r:id="rId6"/>
+    <p:sldId id="265" r:id="rId7"/>
+    <p:sldId id="266" r:id="rId8"/>
+    <p:sldId id="267" r:id="rId9"/>
   </p:sldIdLst>
   <p:sldSz cx="12192000" cy="6858000"/>
   <p:notesSz cx="6858000" cy="9144000"/>
@@ -199,7 +204,7 @@
           <a:p>
             <a:fld id="{681670DE-4FF0-44D2-86AC-52AF9D31D086}" type="datetimeFigureOut">
               <a:rPr lang="en-US" smtClean="0"/>
-              <a:t>10/22/2021</a:t>
+              <a:t>11/8/2021</a:t>
             </a:fld>
             <a:endParaRPr lang="en-US"/>
           </a:p>
@@ -598,7 +603,7 @@
           <a:p>
             <a:fld id="{38FC2247-AAE6-4F12-81DB-4812DEEFF984}" type="datetime1">
               <a:rPr lang="en-US" smtClean="0"/>
-              <a:t>10/22/2021</a:t>
+              <a:t>11/8/2021</a:t>
             </a:fld>
             <a:endParaRPr lang="en-US"/>
           </a:p>
@@ -768,7 +773,7 @@
           <a:p>
             <a:fld id="{6662FFFE-44F1-4E77-9ADE-8FC1F4FD6251}" type="datetime1">
               <a:rPr lang="en-US" smtClean="0"/>
-              <a:t>10/22/2021</a:t>
+              <a:t>11/8/2021</a:t>
             </a:fld>
             <a:endParaRPr lang="en-US"/>
           </a:p>
@@ -948,7 +953,7 @@
           <a:p>
             <a:fld id="{EAB35F54-FB9E-452B-A57B-A42453AF26E0}" type="datetime1">
               <a:rPr lang="en-US" smtClean="0"/>
-              <a:t>10/22/2021</a:t>
+              <a:t>11/8/2021</a:t>
             </a:fld>
             <a:endParaRPr lang="en-US"/>
           </a:p>
@@ -1118,7 +1123,7 @@
           <a:p>
             <a:fld id="{75C335D2-3ABF-410C-B359-9BCE0DD2B8E4}" type="datetime1">
               <a:rPr lang="en-US" smtClean="0"/>
-              <a:t>10/22/2021</a:t>
+              <a:t>11/8/2021</a:t>
             </a:fld>
             <a:endParaRPr lang="en-US"/>
           </a:p>
@@ -1399,7 +1404,7 @@
           <a:p>
             <a:fld id="{EBBB206D-BA44-4076-A856-0630E09A5791}" type="datetime1">
               <a:rPr lang="en-US" smtClean="0"/>
-              <a:t>10/22/2021</a:t>
+              <a:t>11/8/2021</a:t>
             </a:fld>
             <a:endParaRPr lang="en-US"/>
           </a:p>
@@ -1631,7 +1636,7 @@
           <a:p>
             <a:fld id="{3EEF5C2E-C769-448C-AAD3-1930182FD15F}" type="datetime1">
               <a:rPr lang="en-US" smtClean="0"/>
-              <a:t>10/22/2021</a:t>
+              <a:t>11/8/2021</a:t>
             </a:fld>
             <a:endParaRPr lang="en-US"/>
           </a:p>
@@ -1998,7 +2003,7 @@
           <a:p>
             <a:fld id="{811BBF11-C9DF-437C-B5E6-CFC5B8D55F83}" type="datetime1">
               <a:rPr lang="en-US" smtClean="0"/>
-              <a:t>10/22/2021</a:t>
+              <a:t>11/8/2021</a:t>
             </a:fld>
             <a:endParaRPr lang="en-US"/>
           </a:p>
@@ -2116,7 +2121,7 @@
           <a:p>
             <a:fld id="{7B47ABFD-B8E1-4FB5-BE09-E66DA2315B26}" type="datetime1">
               <a:rPr lang="en-US" smtClean="0"/>
-              <a:t>10/22/2021</a:t>
+              <a:t>11/8/2021</a:t>
             </a:fld>
             <a:endParaRPr lang="en-US"/>
           </a:p>
@@ -2211,7 +2216,7 @@
           <a:p>
             <a:fld id="{E22B4BA3-1D68-4A37-8CEC-4CAE7088A511}" type="datetime1">
               <a:rPr lang="en-US" smtClean="0"/>
-              <a:t>10/22/2021</a:t>
+              <a:t>11/8/2021</a:t>
             </a:fld>
             <a:endParaRPr lang="en-US"/>
           </a:p>
@@ -2488,7 +2493,7 @@
           <a:p>
             <a:fld id="{EBECA402-2E49-4C9D-B19B-AC1B13AFE9B0}" type="datetime1">
               <a:rPr lang="en-US" smtClean="0"/>
-              <a:t>10/22/2021</a:t>
+              <a:t>11/8/2021</a:t>
             </a:fld>
             <a:endParaRPr lang="en-US"/>
           </a:p>
@@ -2741,7 +2746,7 @@
           <a:p>
             <a:fld id="{8C56B855-FE9F-45EA-AE2F-8A8779580460}" type="datetime1">
               <a:rPr lang="en-US" smtClean="0"/>
-              <a:t>10/22/2021</a:t>
+              <a:t>11/8/2021</a:t>
             </a:fld>
             <a:endParaRPr lang="en-US"/>
           </a:p>
@@ -2954,7 +2959,7 @@
           <a:p>
             <a:fld id="{44582B33-3A41-482B-9E66-49107F12081D}" type="datetime1">
               <a:rPr lang="en-US" smtClean="0"/>
-              <a:t>10/22/2021</a:t>
+              <a:t>11/8/2021</a:t>
             </a:fld>
             <a:endParaRPr lang="en-US"/>
           </a:p>
@@ -3846,7 +3851,11 @@
           <a:p>
             <a:r>
               <a:rPr lang="en-US" dirty="0" smtClean="0"/>
-              <a:t>Making a new repository</a:t>
+              <a:t>Google </a:t>
+            </a:r>
+            <a:r>
+              <a:rPr lang="en-US" dirty="0" err="1" smtClean="0"/>
+              <a:t>Colab</a:t>
             </a:r>
             <a:endParaRPr lang="en-US" dirty="0"/>
           </a:p>
@@ -3867,6 +3876,57 @@
           <a:bodyPr/>
           <a:lstStyle/>
           <a:p>
+            <a:r>
+              <a:rPr lang="en-US" dirty="0" smtClean="0"/>
+              <a:t>All notebooks are available to run as </a:t>
+            </a:r>
+            <a:r>
+              <a:rPr lang="en-US" dirty="0" err="1" smtClean="0"/>
+              <a:t>Jupyter</a:t>
+            </a:r>
+            <a:r>
+              <a:rPr lang="en-US" dirty="0" smtClean="0"/>
+              <a:t> Notebooks with google </a:t>
+            </a:r>
+            <a:r>
+              <a:rPr lang="en-US" dirty="0" err="1" smtClean="0"/>
+              <a:t>colab</a:t>
+            </a:r>
+            <a:endParaRPr lang="en-US" dirty="0" smtClean="0"/>
+          </a:p>
+          <a:p>
+            <a:pPr marL="0" indent="0">
+              <a:buNone/>
+            </a:pPr>
+            <a:r>
+              <a:rPr lang="en-US" dirty="0" smtClean="0"/>
+              <a:t>Colab.research.google.com</a:t>
+            </a:r>
+          </a:p>
+          <a:p>
+            <a:endParaRPr lang="en-US" dirty="0" smtClean="0"/>
+          </a:p>
+          <a:p>
+            <a:r>
+              <a:rPr lang="en-US" dirty="0" smtClean="0"/>
+              <a:t>GitHub -&gt; </a:t>
+            </a:r>
+            <a:r>
+              <a:rPr lang="en-US" dirty="0" err="1" smtClean="0"/>
+              <a:t>brianmanderson</a:t>
+            </a:r>
+            <a:endParaRPr lang="en-US" dirty="0" smtClean="0"/>
+          </a:p>
+          <a:p>
+            <a:pPr lvl="1"/>
+            <a:r>
+              <a:rPr lang="en-US" dirty="0" smtClean="0"/>
+              <a:t>Repository: </a:t>
+            </a:r>
+            <a:r>
+              <a:rPr lang="en-US" dirty="0" err="1" smtClean="0"/>
+              <a:t>TeachingGithubProcedures</a:t>
+            </a:r>
             <a:endParaRPr lang="en-US" dirty="0"/>
           </a:p>
         </p:txBody>
@@ -3899,16 +3959,1412 @@
           </a:p>
         </p:txBody>
       </p:sp>
+      <p:pic>
+        <p:nvPicPr>
+          <p:cNvPr id="5" name="Picture 4"/>
+          <p:cNvPicPr>
+            <a:picLocks noChangeAspect="1"/>
+          </p:cNvPicPr>
+          <p:nvPr/>
+        </p:nvPicPr>
+        <p:blipFill>
+          <a:blip r:embed="rId2"/>
+          <a:stretch>
+            <a:fillRect/>
+          </a:stretch>
+        </p:blipFill>
+        <p:spPr>
+          <a:xfrm>
+            <a:off x="6573390" y="2355943"/>
+            <a:ext cx="5363686" cy="3692212"/>
+          </a:xfrm>
+          <a:prstGeom prst="rect">
+            <a:avLst/>
+          </a:prstGeom>
+        </p:spPr>
+      </p:pic>
     </p:spTree>
     <p:extLst>
       <p:ext uri="{BB962C8B-B14F-4D97-AF65-F5344CB8AC3E}">
-        <p14:creationId xmlns:p14="http://schemas.microsoft.com/office/powerpoint/2010/main" val="3039919223"/>
+        <p14:creationId xmlns:p14="http://schemas.microsoft.com/office/powerpoint/2010/main" val="4253790988"/>
       </p:ext>
     </p:extLst>
   </p:cSld>
   <p:clrMapOvr>
     <a:masterClrMapping/>
   </p:clrMapOvr>
+  <p:timing>
+    <p:tnLst>
+      <p:par>
+        <p:cTn id="1" dur="indefinite" restart="never" nodeType="tmRoot"/>
+      </p:par>
+    </p:tnLst>
+  </p:timing>
+</p:sld>
+</file>
+
+<file path=ppt/slides/slide4.xml><?xml version="1.0" encoding="utf-8"?>
+<p:sld xmlns:a="http://schemas.openxmlformats.org/drawingml/2006/main" xmlns:r="http://schemas.openxmlformats.org/officeDocument/2006/relationships" xmlns:p="http://schemas.openxmlformats.org/presentationml/2006/main">
+  <p:cSld>
+    <p:spTree>
+      <p:nvGrpSpPr>
+        <p:cNvPr id="1" name=""/>
+        <p:cNvGrpSpPr/>
+        <p:nvPr/>
+      </p:nvGrpSpPr>
+      <p:grpSpPr>
+        <a:xfrm>
+          <a:off x="0" y="0"/>
+          <a:ext cx="0" cy="0"/>
+          <a:chOff x="0" y="0"/>
+          <a:chExt cx="0" cy="0"/>
+        </a:xfrm>
+      </p:grpSpPr>
+      <p:sp>
+        <p:nvSpPr>
+          <p:cNvPr id="2" name="Title 1"/>
+          <p:cNvSpPr>
+            <a:spLocks noGrp="1"/>
+          </p:cNvSpPr>
+          <p:nvPr>
+            <p:ph type="title"/>
+          </p:nvPr>
+        </p:nvSpPr>
+        <p:spPr/>
+        <p:txBody>
+          <a:bodyPr/>
+          <a:lstStyle/>
+          <a:p>
+            <a:r>
+              <a:rPr lang="en-US" dirty="0" smtClean="0"/>
+              <a:t>Why use GitHub/</a:t>
+            </a:r>
+            <a:r>
+              <a:rPr lang="en-US" dirty="0" err="1" smtClean="0"/>
+              <a:t>GitLab</a:t>
+            </a:r>
+            <a:r>
+              <a:rPr lang="en-US" dirty="0" smtClean="0"/>
+              <a:t>?</a:t>
+            </a:r>
+            <a:endParaRPr lang="en-US" dirty="0"/>
+          </a:p>
+        </p:txBody>
+      </p:sp>
+      <p:sp>
+        <p:nvSpPr>
+          <p:cNvPr id="3" name="Content Placeholder 2"/>
+          <p:cNvSpPr>
+            <a:spLocks noGrp="1"/>
+          </p:cNvSpPr>
+          <p:nvPr>
+            <p:ph idx="1"/>
+          </p:nvPr>
+        </p:nvSpPr>
+        <p:spPr/>
+        <p:txBody>
+          <a:bodyPr/>
+          <a:lstStyle/>
+          <a:p>
+            <a:r>
+              <a:rPr lang="en-US" dirty="0" smtClean="0"/>
+              <a:t>Tracking changes: Commits</a:t>
+            </a:r>
+          </a:p>
+          <a:p>
+            <a:pPr lvl="1"/>
+            <a:r>
+              <a:rPr lang="en-US" dirty="0" smtClean="0"/>
+              <a:t>Code.py -&gt; Code_New.py, Code_Old.py</a:t>
+            </a:r>
+          </a:p>
+          <a:p>
+            <a:endParaRPr lang="en-US" dirty="0"/>
+          </a:p>
+          <a:p>
+            <a:r>
+              <a:rPr lang="en-US" dirty="0" smtClean="0"/>
+              <a:t>Heritage projects: requirements.txt</a:t>
+            </a:r>
+          </a:p>
+          <a:p>
+            <a:pPr lvl="1"/>
+            <a:r>
+              <a:rPr lang="en-US" dirty="0" smtClean="0"/>
+              <a:t>Maintaining version control for packages</a:t>
+            </a:r>
+          </a:p>
+          <a:p>
+            <a:r>
+              <a:rPr lang="en-US" dirty="0" smtClean="0"/>
+              <a:t>Collaboration/Experimenting</a:t>
+            </a:r>
+            <a:endParaRPr lang="en-US" dirty="0"/>
+          </a:p>
+          <a:p>
+            <a:endParaRPr lang="en-US" dirty="0"/>
+          </a:p>
+        </p:txBody>
+      </p:sp>
+      <p:sp>
+        <p:nvSpPr>
+          <p:cNvPr id="4" name="Slide Number Placeholder 3"/>
+          <p:cNvSpPr>
+            <a:spLocks noGrp="1"/>
+          </p:cNvSpPr>
+          <p:nvPr>
+            <p:ph type="sldNum" sz="quarter" idx="12"/>
+          </p:nvPr>
+        </p:nvSpPr>
+        <p:spPr/>
+        <p:txBody>
+          <a:bodyPr/>
+          <a:lstStyle/>
+          <a:p>
+            <a:r>
+              <a:rPr lang="en-US" smtClean="0"/>
+              <a:t>Anderson / IGCT / </a:t>
+            </a:r>
+            <a:fld id="{EC285173-8AC7-4236-B89E-5E6DC9142DC2}" type="slidenum">
+              <a:rPr lang="en-US" smtClean="0"/>
+              <a:pPr/>
+              <a:t>4</a:t>
+            </a:fld>
+            <a:endParaRPr lang="en-US" dirty="0" smtClean="0"/>
+          </a:p>
+        </p:txBody>
+      </p:sp>
+      <p:grpSp>
+        <p:nvGrpSpPr>
+          <p:cNvPr id="8" name="Group 7"/>
+          <p:cNvGrpSpPr/>
+          <p:nvPr/>
+        </p:nvGrpSpPr>
+        <p:grpSpPr>
+          <a:xfrm>
+            <a:off x="7010548" y="854925"/>
+            <a:ext cx="3923071" cy="2996757"/>
+            <a:chOff x="6858148" y="1071803"/>
+            <a:chExt cx="3923071" cy="2996757"/>
+          </a:xfrm>
+        </p:grpSpPr>
+        <p:sp>
+          <p:nvSpPr>
+            <p:cNvPr id="5" name="Rectangle 4"/>
+            <p:cNvSpPr/>
+            <p:nvPr/>
+          </p:nvSpPr>
+          <p:spPr>
+            <a:xfrm>
+              <a:off x="6858148" y="1825625"/>
+              <a:ext cx="3923071" cy="781856"/>
+            </a:xfrm>
+            <a:prstGeom prst="rect">
+              <a:avLst/>
+            </a:prstGeom>
+            <a:solidFill>
+              <a:srgbClr val="00B050"/>
+            </a:solidFill>
+          </p:spPr>
+          <p:style>
+            <a:lnRef idx="2">
+              <a:schemeClr val="accent1">
+                <a:shade val="50000"/>
+              </a:schemeClr>
+            </a:lnRef>
+            <a:fillRef idx="1">
+              <a:schemeClr val="accent1"/>
+            </a:fillRef>
+            <a:effectRef idx="0">
+              <a:schemeClr val="accent1"/>
+            </a:effectRef>
+            <a:fontRef idx="minor">
+              <a:schemeClr val="lt1"/>
+            </a:fontRef>
+          </p:style>
+          <p:txBody>
+            <a:bodyPr rtlCol="0" anchor="ctr"/>
+            <a:lstStyle/>
+            <a:p>
+              <a:pPr algn="ctr"/>
+              <a:r>
+                <a:rPr lang="en-US" sz="3400" dirty="0" smtClean="0"/>
+                <a:t>Code.py</a:t>
+              </a:r>
+              <a:endParaRPr lang="en-US" sz="3400" dirty="0"/>
+            </a:p>
+          </p:txBody>
+        </p:sp>
+        <p:sp>
+          <p:nvSpPr>
+            <p:cNvPr id="6" name="Rectangle 5"/>
+            <p:cNvSpPr/>
+            <p:nvPr/>
+          </p:nvSpPr>
+          <p:spPr>
+            <a:xfrm>
+              <a:off x="6858148" y="2656007"/>
+              <a:ext cx="3923071" cy="781856"/>
+            </a:xfrm>
+            <a:prstGeom prst="rect">
+              <a:avLst/>
+            </a:prstGeom>
+            <a:solidFill>
+              <a:srgbClr val="00B050"/>
+            </a:solidFill>
+          </p:spPr>
+          <p:style>
+            <a:lnRef idx="2">
+              <a:schemeClr val="accent1">
+                <a:shade val="50000"/>
+              </a:schemeClr>
+            </a:lnRef>
+            <a:fillRef idx="1">
+              <a:schemeClr val="accent1"/>
+            </a:fillRef>
+            <a:effectRef idx="0">
+              <a:schemeClr val="accent1"/>
+            </a:effectRef>
+            <a:fontRef idx="minor">
+              <a:schemeClr val="lt1"/>
+            </a:fontRef>
+          </p:style>
+          <p:txBody>
+            <a:bodyPr rtlCol="0" anchor="ctr"/>
+            <a:lstStyle/>
+            <a:p>
+              <a:pPr algn="ctr"/>
+              <a:r>
+                <a:rPr lang="en-US" sz="3400" dirty="0" smtClean="0"/>
+                <a:t>Code_New</a:t>
+              </a:r>
+              <a:r>
+                <a:rPr lang="en-US" sz="3400" dirty="0" smtClean="0"/>
+                <a:t>.py</a:t>
+              </a:r>
+              <a:endParaRPr lang="en-US" sz="3400" dirty="0"/>
+            </a:p>
+          </p:txBody>
+        </p:sp>
+        <p:sp>
+          <p:nvSpPr>
+            <p:cNvPr id="7" name="Multiply 6"/>
+            <p:cNvSpPr/>
+            <p:nvPr/>
+          </p:nvSpPr>
+          <p:spPr>
+            <a:xfrm>
+              <a:off x="7319706" y="1071803"/>
+              <a:ext cx="2999953" cy="2996757"/>
+            </a:xfrm>
+            <a:prstGeom prst="mathMultiply">
+              <a:avLst/>
+            </a:prstGeom>
+            <a:solidFill>
+              <a:srgbClr val="FF0000">
+                <a:alpha val="40000"/>
+              </a:srgbClr>
+            </a:solidFill>
+            <a:ln>
+              <a:noFill/>
+            </a:ln>
+          </p:spPr>
+          <p:style>
+            <a:lnRef idx="2">
+              <a:schemeClr val="accent1">
+                <a:shade val="50000"/>
+              </a:schemeClr>
+            </a:lnRef>
+            <a:fillRef idx="1">
+              <a:schemeClr val="accent1"/>
+            </a:fillRef>
+            <a:effectRef idx="0">
+              <a:schemeClr val="accent1"/>
+            </a:effectRef>
+            <a:fontRef idx="minor">
+              <a:schemeClr val="lt1"/>
+            </a:fontRef>
+          </p:style>
+          <p:txBody>
+            <a:bodyPr rtlCol="0" anchor="ctr"/>
+            <a:lstStyle/>
+            <a:p>
+              <a:pPr algn="ctr"/>
+              <a:endParaRPr lang="en-US"/>
+            </a:p>
+          </p:txBody>
+        </p:sp>
+      </p:grpSp>
+      <p:pic>
+        <p:nvPicPr>
+          <p:cNvPr id="23" name="Picture 22"/>
+          <p:cNvPicPr>
+            <a:picLocks noChangeAspect="1"/>
+          </p:cNvPicPr>
+          <p:nvPr/>
+        </p:nvPicPr>
+        <p:blipFill>
+          <a:blip r:embed="rId2"/>
+          <a:stretch>
+            <a:fillRect/>
+          </a:stretch>
+        </p:blipFill>
+        <p:spPr>
+          <a:xfrm>
+            <a:off x="7635279" y="3634225"/>
+            <a:ext cx="2673606" cy="2286411"/>
+          </a:xfrm>
+          <a:prstGeom prst="rect">
+            <a:avLst/>
+          </a:prstGeom>
+        </p:spPr>
+      </p:pic>
+      <p:pic>
+        <p:nvPicPr>
+          <p:cNvPr id="52" name="Picture 51"/>
+          <p:cNvPicPr>
+            <a:picLocks noChangeAspect="1"/>
+          </p:cNvPicPr>
+          <p:nvPr/>
+        </p:nvPicPr>
+        <p:blipFill>
+          <a:blip r:embed="rId3"/>
+          <a:stretch>
+            <a:fillRect/>
+          </a:stretch>
+        </p:blipFill>
+        <p:spPr>
+          <a:xfrm>
+            <a:off x="838200" y="4866604"/>
+            <a:ext cx="4407921" cy="1489746"/>
+          </a:xfrm>
+          <a:prstGeom prst="rect">
+            <a:avLst/>
+          </a:prstGeom>
+        </p:spPr>
+      </p:pic>
+    </p:spTree>
+    <p:extLst>
+      <p:ext uri="{BB962C8B-B14F-4D97-AF65-F5344CB8AC3E}">
+        <p14:creationId xmlns:p14="http://schemas.microsoft.com/office/powerpoint/2010/main" val="1719158348"/>
+      </p:ext>
+    </p:extLst>
+  </p:cSld>
+  <p:clrMapOvr>
+    <a:masterClrMapping/>
+  </p:clrMapOvr>
+  <p:timing>
+    <p:tnLst>
+      <p:par>
+        <p:cTn id="1" dur="indefinite" restart="never" nodeType="tmRoot">
+          <p:childTnLst>
+            <p:seq concurrent="1" nextAc="seek">
+              <p:cTn id="2" dur="indefinite" nodeType="mainSeq">
+                <p:childTnLst>
+                  <p:par>
+                    <p:cTn id="3" fill="hold">
+                      <p:stCondLst>
+                        <p:cond delay="indefinite"/>
+                      </p:stCondLst>
+                      <p:childTnLst>
+                        <p:par>
+                          <p:cTn id="4" fill="hold">
+                            <p:stCondLst>
+                              <p:cond delay="0"/>
+                            </p:stCondLst>
+                            <p:childTnLst>
+                              <p:par>
+                                <p:cTn id="5" presetID="22" presetClass="entr" presetSubtype="4" fill="hold" grpId="0" nodeType="clickEffect">
+                                  <p:stCondLst>
+                                    <p:cond delay="0"/>
+                                  </p:stCondLst>
+                                  <p:childTnLst>
+                                    <p:set>
+                                      <p:cBhvr>
+                                        <p:cTn id="6" dur="1" fill="hold">
+                                          <p:stCondLst>
+                                            <p:cond delay="0"/>
+                                          </p:stCondLst>
+                                        </p:cTn>
+                                        <p:tgtEl>
+                                          <p:spTgt spid="3">
+                                            <p:txEl>
+                                              <p:pRg st="0" end="0"/>
+                                            </p:txEl>
+                                          </p:spTgt>
+                                        </p:tgtEl>
+                                        <p:attrNameLst>
+                                          <p:attrName>style.visibility</p:attrName>
+                                        </p:attrNameLst>
+                                      </p:cBhvr>
+                                      <p:to>
+                                        <p:strVal val="visible"/>
+                                      </p:to>
+                                    </p:set>
+                                    <p:animEffect transition="in" filter="wipe(down)">
+                                      <p:cBhvr>
+                                        <p:cTn id="7" dur="500"/>
+                                        <p:tgtEl>
+                                          <p:spTgt spid="3">
+                                            <p:txEl>
+                                              <p:pRg st="0" end="0"/>
+                                            </p:txEl>
+                                          </p:spTgt>
+                                        </p:tgtEl>
+                                      </p:cBhvr>
+                                    </p:animEffect>
+                                  </p:childTnLst>
+                                </p:cTn>
+                              </p:par>
+                            </p:childTnLst>
+                          </p:cTn>
+                        </p:par>
+                      </p:childTnLst>
+                    </p:cTn>
+                  </p:par>
+                  <p:par>
+                    <p:cTn id="8" fill="hold">
+                      <p:stCondLst>
+                        <p:cond delay="indefinite"/>
+                      </p:stCondLst>
+                      <p:childTnLst>
+                        <p:par>
+                          <p:cTn id="9" fill="hold">
+                            <p:stCondLst>
+                              <p:cond delay="0"/>
+                            </p:stCondLst>
+                            <p:childTnLst>
+                              <p:par>
+                                <p:cTn id="10" presetID="22" presetClass="entr" presetSubtype="4" fill="hold" grpId="0" nodeType="clickEffect">
+                                  <p:stCondLst>
+                                    <p:cond delay="0"/>
+                                  </p:stCondLst>
+                                  <p:childTnLst>
+                                    <p:set>
+                                      <p:cBhvr>
+                                        <p:cTn id="11" dur="1" fill="hold">
+                                          <p:stCondLst>
+                                            <p:cond delay="0"/>
+                                          </p:stCondLst>
+                                        </p:cTn>
+                                        <p:tgtEl>
+                                          <p:spTgt spid="3">
+                                            <p:txEl>
+                                              <p:pRg st="1" end="1"/>
+                                            </p:txEl>
+                                          </p:spTgt>
+                                        </p:tgtEl>
+                                        <p:attrNameLst>
+                                          <p:attrName>style.visibility</p:attrName>
+                                        </p:attrNameLst>
+                                      </p:cBhvr>
+                                      <p:to>
+                                        <p:strVal val="visible"/>
+                                      </p:to>
+                                    </p:set>
+                                    <p:animEffect transition="in" filter="wipe(down)">
+                                      <p:cBhvr>
+                                        <p:cTn id="12" dur="500"/>
+                                        <p:tgtEl>
+                                          <p:spTgt spid="3">
+                                            <p:txEl>
+                                              <p:pRg st="1" end="1"/>
+                                            </p:txEl>
+                                          </p:spTgt>
+                                        </p:tgtEl>
+                                      </p:cBhvr>
+                                    </p:animEffect>
+                                  </p:childTnLst>
+                                </p:cTn>
+                              </p:par>
+                              <p:par>
+                                <p:cTn id="13" presetID="22" presetClass="entr" presetSubtype="4" fill="hold" nodeType="withEffect">
+                                  <p:stCondLst>
+                                    <p:cond delay="0"/>
+                                  </p:stCondLst>
+                                  <p:childTnLst>
+                                    <p:set>
+                                      <p:cBhvr>
+                                        <p:cTn id="14" dur="1" fill="hold">
+                                          <p:stCondLst>
+                                            <p:cond delay="0"/>
+                                          </p:stCondLst>
+                                        </p:cTn>
+                                        <p:tgtEl>
+                                          <p:spTgt spid="8"/>
+                                        </p:tgtEl>
+                                        <p:attrNameLst>
+                                          <p:attrName>style.visibility</p:attrName>
+                                        </p:attrNameLst>
+                                      </p:cBhvr>
+                                      <p:to>
+                                        <p:strVal val="visible"/>
+                                      </p:to>
+                                    </p:set>
+                                    <p:animEffect transition="in" filter="wipe(down)">
+                                      <p:cBhvr>
+                                        <p:cTn id="15" dur="500"/>
+                                        <p:tgtEl>
+                                          <p:spTgt spid="8"/>
+                                        </p:tgtEl>
+                                      </p:cBhvr>
+                                    </p:animEffect>
+                                  </p:childTnLst>
+                                </p:cTn>
+                              </p:par>
+                            </p:childTnLst>
+                          </p:cTn>
+                        </p:par>
+                      </p:childTnLst>
+                    </p:cTn>
+                  </p:par>
+                  <p:par>
+                    <p:cTn id="16" fill="hold">
+                      <p:stCondLst>
+                        <p:cond delay="indefinite"/>
+                      </p:stCondLst>
+                      <p:childTnLst>
+                        <p:par>
+                          <p:cTn id="17" fill="hold">
+                            <p:stCondLst>
+                              <p:cond delay="0"/>
+                            </p:stCondLst>
+                            <p:childTnLst>
+                              <p:par>
+                                <p:cTn id="18" presetID="22" presetClass="entr" presetSubtype="4" fill="hold" grpId="0" nodeType="clickEffect">
+                                  <p:stCondLst>
+                                    <p:cond delay="0"/>
+                                  </p:stCondLst>
+                                  <p:childTnLst>
+                                    <p:set>
+                                      <p:cBhvr>
+                                        <p:cTn id="19" dur="1" fill="hold">
+                                          <p:stCondLst>
+                                            <p:cond delay="0"/>
+                                          </p:stCondLst>
+                                        </p:cTn>
+                                        <p:tgtEl>
+                                          <p:spTgt spid="3">
+                                            <p:txEl>
+                                              <p:pRg st="3" end="3"/>
+                                            </p:txEl>
+                                          </p:spTgt>
+                                        </p:tgtEl>
+                                        <p:attrNameLst>
+                                          <p:attrName>style.visibility</p:attrName>
+                                        </p:attrNameLst>
+                                      </p:cBhvr>
+                                      <p:to>
+                                        <p:strVal val="visible"/>
+                                      </p:to>
+                                    </p:set>
+                                    <p:animEffect transition="in" filter="wipe(down)">
+                                      <p:cBhvr>
+                                        <p:cTn id="20" dur="500"/>
+                                        <p:tgtEl>
+                                          <p:spTgt spid="3">
+                                            <p:txEl>
+                                              <p:pRg st="3" end="3"/>
+                                            </p:txEl>
+                                          </p:spTgt>
+                                        </p:tgtEl>
+                                      </p:cBhvr>
+                                    </p:animEffect>
+                                  </p:childTnLst>
+                                </p:cTn>
+                              </p:par>
+                            </p:childTnLst>
+                          </p:cTn>
+                        </p:par>
+                      </p:childTnLst>
+                    </p:cTn>
+                  </p:par>
+                  <p:par>
+                    <p:cTn id="21" fill="hold">
+                      <p:stCondLst>
+                        <p:cond delay="indefinite"/>
+                      </p:stCondLst>
+                      <p:childTnLst>
+                        <p:par>
+                          <p:cTn id="22" fill="hold">
+                            <p:stCondLst>
+                              <p:cond delay="0"/>
+                            </p:stCondLst>
+                            <p:childTnLst>
+                              <p:par>
+                                <p:cTn id="23" presetID="22" presetClass="entr" presetSubtype="4" fill="hold" grpId="0" nodeType="clickEffect">
+                                  <p:stCondLst>
+                                    <p:cond delay="0"/>
+                                  </p:stCondLst>
+                                  <p:childTnLst>
+                                    <p:set>
+                                      <p:cBhvr>
+                                        <p:cTn id="24" dur="1" fill="hold">
+                                          <p:stCondLst>
+                                            <p:cond delay="0"/>
+                                          </p:stCondLst>
+                                        </p:cTn>
+                                        <p:tgtEl>
+                                          <p:spTgt spid="3">
+                                            <p:txEl>
+                                              <p:pRg st="4" end="4"/>
+                                            </p:txEl>
+                                          </p:spTgt>
+                                        </p:tgtEl>
+                                        <p:attrNameLst>
+                                          <p:attrName>style.visibility</p:attrName>
+                                        </p:attrNameLst>
+                                      </p:cBhvr>
+                                      <p:to>
+                                        <p:strVal val="visible"/>
+                                      </p:to>
+                                    </p:set>
+                                    <p:animEffect transition="in" filter="wipe(down)">
+                                      <p:cBhvr>
+                                        <p:cTn id="25" dur="500"/>
+                                        <p:tgtEl>
+                                          <p:spTgt spid="3">
+                                            <p:txEl>
+                                              <p:pRg st="4" end="4"/>
+                                            </p:txEl>
+                                          </p:spTgt>
+                                        </p:tgtEl>
+                                      </p:cBhvr>
+                                    </p:animEffect>
+                                  </p:childTnLst>
+                                </p:cTn>
+                              </p:par>
+                              <p:par>
+                                <p:cTn id="26" presetID="22" presetClass="entr" presetSubtype="4" fill="hold" nodeType="withEffect">
+                                  <p:stCondLst>
+                                    <p:cond delay="0"/>
+                                  </p:stCondLst>
+                                  <p:childTnLst>
+                                    <p:set>
+                                      <p:cBhvr>
+                                        <p:cTn id="27" dur="1" fill="hold">
+                                          <p:stCondLst>
+                                            <p:cond delay="0"/>
+                                          </p:stCondLst>
+                                        </p:cTn>
+                                        <p:tgtEl>
+                                          <p:spTgt spid="23"/>
+                                        </p:tgtEl>
+                                        <p:attrNameLst>
+                                          <p:attrName>style.visibility</p:attrName>
+                                        </p:attrNameLst>
+                                      </p:cBhvr>
+                                      <p:to>
+                                        <p:strVal val="visible"/>
+                                      </p:to>
+                                    </p:set>
+                                    <p:animEffect transition="in" filter="wipe(down)">
+                                      <p:cBhvr>
+                                        <p:cTn id="28" dur="500"/>
+                                        <p:tgtEl>
+                                          <p:spTgt spid="23"/>
+                                        </p:tgtEl>
+                                      </p:cBhvr>
+                                    </p:animEffect>
+                                  </p:childTnLst>
+                                </p:cTn>
+                              </p:par>
+                            </p:childTnLst>
+                          </p:cTn>
+                        </p:par>
+                      </p:childTnLst>
+                    </p:cTn>
+                  </p:par>
+                  <p:par>
+                    <p:cTn id="29" fill="hold">
+                      <p:stCondLst>
+                        <p:cond delay="indefinite"/>
+                      </p:stCondLst>
+                      <p:childTnLst>
+                        <p:par>
+                          <p:cTn id="30" fill="hold">
+                            <p:stCondLst>
+                              <p:cond delay="0"/>
+                            </p:stCondLst>
+                            <p:childTnLst>
+                              <p:par>
+                                <p:cTn id="31" presetID="22" presetClass="entr" presetSubtype="4" fill="hold" grpId="0" nodeType="clickEffect">
+                                  <p:stCondLst>
+                                    <p:cond delay="0"/>
+                                  </p:stCondLst>
+                                  <p:childTnLst>
+                                    <p:set>
+                                      <p:cBhvr>
+                                        <p:cTn id="32" dur="1" fill="hold">
+                                          <p:stCondLst>
+                                            <p:cond delay="0"/>
+                                          </p:stCondLst>
+                                        </p:cTn>
+                                        <p:tgtEl>
+                                          <p:spTgt spid="3">
+                                            <p:txEl>
+                                              <p:pRg st="5" end="5"/>
+                                            </p:txEl>
+                                          </p:spTgt>
+                                        </p:tgtEl>
+                                        <p:attrNameLst>
+                                          <p:attrName>style.visibility</p:attrName>
+                                        </p:attrNameLst>
+                                      </p:cBhvr>
+                                      <p:to>
+                                        <p:strVal val="visible"/>
+                                      </p:to>
+                                    </p:set>
+                                    <p:animEffect transition="in" filter="wipe(down)">
+                                      <p:cBhvr>
+                                        <p:cTn id="33" dur="500"/>
+                                        <p:tgtEl>
+                                          <p:spTgt spid="3">
+                                            <p:txEl>
+                                              <p:pRg st="5" end="5"/>
+                                            </p:txEl>
+                                          </p:spTgt>
+                                        </p:tgtEl>
+                                      </p:cBhvr>
+                                    </p:animEffect>
+                                  </p:childTnLst>
+                                </p:cTn>
+                              </p:par>
+                              <p:par>
+                                <p:cTn id="34" presetID="22" presetClass="entr" presetSubtype="4" fill="hold" nodeType="withEffect">
+                                  <p:stCondLst>
+                                    <p:cond delay="0"/>
+                                  </p:stCondLst>
+                                  <p:childTnLst>
+                                    <p:set>
+                                      <p:cBhvr>
+                                        <p:cTn id="35" dur="1" fill="hold">
+                                          <p:stCondLst>
+                                            <p:cond delay="0"/>
+                                          </p:stCondLst>
+                                        </p:cTn>
+                                        <p:tgtEl>
+                                          <p:spTgt spid="52"/>
+                                        </p:tgtEl>
+                                        <p:attrNameLst>
+                                          <p:attrName>style.visibility</p:attrName>
+                                        </p:attrNameLst>
+                                      </p:cBhvr>
+                                      <p:to>
+                                        <p:strVal val="visible"/>
+                                      </p:to>
+                                    </p:set>
+                                    <p:animEffect transition="in" filter="wipe(down)">
+                                      <p:cBhvr>
+                                        <p:cTn id="36" dur="500"/>
+                                        <p:tgtEl>
+                                          <p:spTgt spid="52"/>
+                                        </p:tgtEl>
+                                      </p:cBhvr>
+                                    </p:animEffect>
+                                  </p:childTnLst>
+                                </p:cTn>
+                              </p:par>
+                            </p:childTnLst>
+                          </p:cTn>
+                        </p:par>
+                      </p:childTnLst>
+                    </p:cTn>
+                  </p:par>
+                </p:childTnLst>
+              </p:cTn>
+              <p:prevCondLst>
+                <p:cond evt="onPrev" delay="0">
+                  <p:tgtEl>
+                    <p:sldTgt/>
+                  </p:tgtEl>
+                </p:cond>
+              </p:prevCondLst>
+              <p:nextCondLst>
+                <p:cond evt="onNext" delay="0">
+                  <p:tgtEl>
+                    <p:sldTgt/>
+                  </p:tgtEl>
+                </p:cond>
+              </p:nextCondLst>
+            </p:seq>
+          </p:childTnLst>
+        </p:cTn>
+      </p:par>
+    </p:tnLst>
+    <p:bldLst>
+      <p:bldP spid="3" grpId="0" uiExpand="1" build="p"/>
+    </p:bldLst>
+  </p:timing>
+</p:sld>
+</file>
+
+<file path=ppt/slides/slide5.xml><?xml version="1.0" encoding="utf-8"?>
+<p:sld xmlns:a="http://schemas.openxmlformats.org/drawingml/2006/main" xmlns:r="http://schemas.openxmlformats.org/officeDocument/2006/relationships" xmlns:p="http://schemas.openxmlformats.org/presentationml/2006/main">
+  <p:cSld>
+    <p:spTree>
+      <p:nvGrpSpPr>
+        <p:cNvPr id="1" name=""/>
+        <p:cNvGrpSpPr/>
+        <p:nvPr/>
+      </p:nvGrpSpPr>
+      <p:grpSpPr>
+        <a:xfrm>
+          <a:off x="0" y="0"/>
+          <a:ext cx="0" cy="0"/>
+          <a:chOff x="0" y="0"/>
+          <a:chExt cx="0" cy="0"/>
+        </a:xfrm>
+      </p:grpSpPr>
+      <p:sp>
+        <p:nvSpPr>
+          <p:cNvPr id="2" name="Title 1"/>
+          <p:cNvSpPr>
+            <a:spLocks noGrp="1"/>
+          </p:cNvSpPr>
+          <p:nvPr>
+            <p:ph type="title"/>
+          </p:nvPr>
+        </p:nvSpPr>
+        <p:spPr>
+          <a:xfrm>
+            <a:off x="0" y="0"/>
+            <a:ext cx="10515600" cy="1325563"/>
+          </a:xfrm>
+        </p:spPr>
+        <p:txBody>
+          <a:bodyPr/>
+          <a:lstStyle/>
+          <a:p>
+            <a:r>
+              <a:rPr lang="en-US" dirty="0" smtClean="0"/>
+              <a:t>Basic Commands</a:t>
+            </a:r>
+            <a:endParaRPr lang="en-US" dirty="0"/>
+          </a:p>
+        </p:txBody>
+      </p:sp>
+      <p:sp>
+        <p:nvSpPr>
+          <p:cNvPr id="4" name="Slide Number Placeholder 3"/>
+          <p:cNvSpPr>
+            <a:spLocks noGrp="1"/>
+          </p:cNvSpPr>
+          <p:nvPr>
+            <p:ph type="sldNum" sz="quarter" idx="12"/>
+          </p:nvPr>
+        </p:nvSpPr>
+        <p:spPr/>
+        <p:txBody>
+          <a:bodyPr/>
+          <a:lstStyle/>
+          <a:p>
+            <a:r>
+              <a:rPr lang="en-US" smtClean="0"/>
+              <a:t>Anderson / IGCT / </a:t>
+            </a:r>
+            <a:fld id="{EC285173-8AC7-4236-B89E-5E6DC9142DC2}" type="slidenum">
+              <a:rPr lang="en-US" smtClean="0"/>
+              <a:pPr/>
+              <a:t>5</a:t>
+            </a:fld>
+            <a:endParaRPr lang="en-US" dirty="0" smtClean="0"/>
+          </a:p>
+        </p:txBody>
+      </p:sp>
+      <p:pic>
+        <p:nvPicPr>
+          <p:cNvPr id="6" name="Picture 5"/>
+          <p:cNvPicPr>
+            <a:picLocks noChangeAspect="1"/>
+          </p:cNvPicPr>
+          <p:nvPr/>
+        </p:nvPicPr>
+        <p:blipFill>
+          <a:blip r:embed="rId2"/>
+          <a:stretch>
+            <a:fillRect/>
+          </a:stretch>
+        </p:blipFill>
+        <p:spPr>
+          <a:xfrm>
+            <a:off x="4174291" y="731766"/>
+            <a:ext cx="7179509" cy="5297876"/>
+          </a:xfrm>
+          <a:prstGeom prst="rect">
+            <a:avLst/>
+          </a:prstGeom>
+        </p:spPr>
+      </p:pic>
+      <p:sp>
+        <p:nvSpPr>
+          <p:cNvPr id="7" name="TextBox 6"/>
+          <p:cNvSpPr txBox="1"/>
+          <p:nvPr/>
+        </p:nvSpPr>
+        <p:spPr>
+          <a:xfrm>
+            <a:off x="129540" y="1988820"/>
+            <a:ext cx="2013756" cy="369332"/>
+          </a:xfrm>
+          <a:prstGeom prst="rect">
+            <a:avLst/>
+          </a:prstGeom>
+          <a:noFill/>
+        </p:spPr>
+        <p:txBody>
+          <a:bodyPr wrap="none" rtlCol="0">
+            <a:spAutoFit/>
+          </a:bodyPr>
+          <a:lstStyle/>
+          <a:p>
+            <a:r>
+              <a:rPr lang="en-US" dirty="0" err="1" smtClean="0"/>
+              <a:t>git</a:t>
+            </a:r>
+            <a:r>
+              <a:rPr lang="en-US" smtClean="0"/>
+              <a:t> branch –M main</a:t>
+            </a:r>
+            <a:endParaRPr lang="en-US" dirty="0"/>
+          </a:p>
+        </p:txBody>
+      </p:sp>
+    </p:spTree>
+    <p:extLst>
+      <p:ext uri="{BB962C8B-B14F-4D97-AF65-F5344CB8AC3E}">
+        <p14:creationId xmlns:p14="http://schemas.microsoft.com/office/powerpoint/2010/main" val="2250333287"/>
+      </p:ext>
+    </p:extLst>
+  </p:cSld>
+  <p:clrMapOvr>
+    <a:masterClrMapping/>
+  </p:clrMapOvr>
+  <p:timing>
+    <p:tnLst>
+      <p:par>
+        <p:cTn id="1" dur="indefinite" restart="never" nodeType="tmRoot"/>
+      </p:par>
+    </p:tnLst>
+  </p:timing>
+</p:sld>
+</file>
+
+<file path=ppt/slides/slide6.xml><?xml version="1.0" encoding="utf-8"?>
+<p:sld xmlns:a="http://schemas.openxmlformats.org/drawingml/2006/main" xmlns:r="http://schemas.openxmlformats.org/officeDocument/2006/relationships" xmlns:p="http://schemas.openxmlformats.org/presentationml/2006/main">
+  <p:cSld>
+    <p:spTree>
+      <p:nvGrpSpPr>
+        <p:cNvPr id="1" name=""/>
+        <p:cNvGrpSpPr/>
+        <p:nvPr/>
+      </p:nvGrpSpPr>
+      <p:grpSpPr>
+        <a:xfrm>
+          <a:off x="0" y="0"/>
+          <a:ext cx="0" cy="0"/>
+          <a:chOff x="0" y="0"/>
+          <a:chExt cx="0" cy="0"/>
+        </a:xfrm>
+      </p:grpSpPr>
+      <p:sp>
+        <p:nvSpPr>
+          <p:cNvPr id="2" name="Title 1"/>
+          <p:cNvSpPr>
+            <a:spLocks noGrp="1"/>
+          </p:cNvSpPr>
+          <p:nvPr>
+            <p:ph type="title"/>
+          </p:nvPr>
+        </p:nvSpPr>
+        <p:spPr/>
+        <p:txBody>
+          <a:bodyPr/>
+          <a:lstStyle/>
+          <a:p>
+            <a:r>
+              <a:rPr lang="en-US" dirty="0" smtClean="0"/>
+              <a:t>Things to cover: Commits</a:t>
+            </a:r>
+            <a:endParaRPr lang="en-US" dirty="0"/>
+          </a:p>
+        </p:txBody>
+      </p:sp>
+      <p:sp>
+        <p:nvSpPr>
+          <p:cNvPr id="3" name="Content Placeholder 2"/>
+          <p:cNvSpPr>
+            <a:spLocks noGrp="1"/>
+          </p:cNvSpPr>
+          <p:nvPr>
+            <p:ph idx="1"/>
+          </p:nvPr>
+        </p:nvSpPr>
+        <p:spPr/>
+        <p:txBody>
+          <a:bodyPr/>
+          <a:lstStyle/>
+          <a:p>
+            <a:r>
+              <a:rPr lang="en-US" dirty="0" smtClean="0"/>
+              <a:t>Adding .</a:t>
+            </a:r>
+            <a:r>
+              <a:rPr lang="en-US" dirty="0" err="1" smtClean="0"/>
+              <a:t>gitignore</a:t>
+            </a:r>
+            <a:endParaRPr lang="en-US" dirty="0" smtClean="0"/>
+          </a:p>
+          <a:p>
+            <a:pPr lvl="1"/>
+            <a:r>
+              <a:rPr lang="en-US" dirty="0" smtClean="0"/>
+              <a:t>Adding files/folders/</a:t>
+            </a:r>
+            <a:r>
+              <a:rPr lang="en-US" dirty="0" err="1" smtClean="0"/>
+              <a:t>dcm</a:t>
+            </a:r>
+            <a:r>
+              <a:rPr lang="en-US" dirty="0" smtClean="0"/>
+              <a:t> to ignore</a:t>
+            </a:r>
+          </a:p>
+          <a:p>
+            <a:r>
+              <a:rPr lang="en-US" dirty="0"/>
+              <a:t>A</a:t>
+            </a:r>
+            <a:r>
+              <a:rPr lang="en-US" dirty="0" smtClean="0"/>
+              <a:t>dd, commit, push, pull</a:t>
+            </a:r>
+          </a:p>
+          <a:p>
+            <a:r>
+              <a:rPr lang="en-US" dirty="0" err="1" smtClean="0"/>
+              <a:t>Git</a:t>
+            </a:r>
+            <a:r>
+              <a:rPr lang="en-US" dirty="0" smtClean="0"/>
+              <a:t> diff, </a:t>
+            </a:r>
+            <a:r>
+              <a:rPr lang="en-US" dirty="0" err="1" smtClean="0"/>
+              <a:t>git</a:t>
+            </a:r>
+            <a:r>
+              <a:rPr lang="en-US" dirty="0" smtClean="0"/>
+              <a:t> status</a:t>
+            </a:r>
+          </a:p>
+          <a:p>
+            <a:r>
+              <a:rPr lang="en-US" dirty="0" smtClean="0"/>
+              <a:t>Cloning</a:t>
+            </a:r>
+          </a:p>
+          <a:p>
+            <a:endParaRPr lang="en-US" dirty="0" smtClean="0"/>
+          </a:p>
+          <a:p>
+            <a:r>
+              <a:rPr lang="en-US" dirty="0" smtClean="0"/>
+              <a:t>Branching</a:t>
+            </a:r>
+          </a:p>
+          <a:p>
+            <a:r>
+              <a:rPr lang="en-US" dirty="0" smtClean="0"/>
+              <a:t>requirements.txt</a:t>
+            </a:r>
+          </a:p>
+          <a:p>
+            <a:endParaRPr lang="en-US" dirty="0"/>
+          </a:p>
+        </p:txBody>
+      </p:sp>
+      <p:sp>
+        <p:nvSpPr>
+          <p:cNvPr id="4" name="Slide Number Placeholder 3"/>
+          <p:cNvSpPr>
+            <a:spLocks noGrp="1"/>
+          </p:cNvSpPr>
+          <p:nvPr>
+            <p:ph type="sldNum" sz="quarter" idx="12"/>
+          </p:nvPr>
+        </p:nvSpPr>
+        <p:spPr/>
+        <p:txBody>
+          <a:bodyPr/>
+          <a:lstStyle/>
+          <a:p>
+            <a:r>
+              <a:rPr lang="en-US" smtClean="0"/>
+              <a:t>Anderson / IGCT / </a:t>
+            </a:r>
+            <a:fld id="{EC285173-8AC7-4236-B89E-5E6DC9142DC2}" type="slidenum">
+              <a:rPr lang="en-US" smtClean="0"/>
+              <a:pPr/>
+              <a:t>6</a:t>
+            </a:fld>
+            <a:endParaRPr lang="en-US" dirty="0" smtClean="0"/>
+          </a:p>
+        </p:txBody>
+      </p:sp>
+    </p:spTree>
+    <p:extLst>
+      <p:ext uri="{BB962C8B-B14F-4D97-AF65-F5344CB8AC3E}">
+        <p14:creationId xmlns:p14="http://schemas.microsoft.com/office/powerpoint/2010/main" val="3301664164"/>
+      </p:ext>
+    </p:extLst>
+  </p:cSld>
+  <p:clrMapOvr>
+    <a:masterClrMapping/>
+  </p:clrMapOvr>
+  <p:timing>
+    <p:tnLst>
+      <p:par>
+        <p:cTn id="1" dur="indefinite" restart="never" nodeType="tmRoot"/>
+      </p:par>
+    </p:tnLst>
+  </p:timing>
+</p:sld>
+</file>
+
+<file path=ppt/slides/slide7.xml><?xml version="1.0" encoding="utf-8"?>
+<p:sld xmlns:a="http://schemas.openxmlformats.org/drawingml/2006/main" xmlns:r="http://schemas.openxmlformats.org/officeDocument/2006/relationships" xmlns:p="http://schemas.openxmlformats.org/presentationml/2006/main">
+  <p:cSld>
+    <p:spTree>
+      <p:nvGrpSpPr>
+        <p:cNvPr id="1" name=""/>
+        <p:cNvGrpSpPr/>
+        <p:nvPr/>
+      </p:nvGrpSpPr>
+      <p:grpSpPr>
+        <a:xfrm>
+          <a:off x="0" y="0"/>
+          <a:ext cx="0" cy="0"/>
+          <a:chOff x="0" y="0"/>
+          <a:chExt cx="0" cy="0"/>
+        </a:xfrm>
+      </p:grpSpPr>
+      <p:sp>
+        <p:nvSpPr>
+          <p:cNvPr id="2" name="Title 1"/>
+          <p:cNvSpPr>
+            <a:spLocks noGrp="1"/>
+          </p:cNvSpPr>
+          <p:nvPr>
+            <p:ph type="title"/>
+          </p:nvPr>
+        </p:nvSpPr>
+        <p:spPr/>
+        <p:txBody>
+          <a:bodyPr/>
+          <a:lstStyle/>
+          <a:p>
+            <a:r>
+              <a:rPr lang="en-US" dirty="0" smtClean="0"/>
+              <a:t>Things to cover: Heritage projects</a:t>
+            </a:r>
+            <a:endParaRPr lang="en-US" dirty="0"/>
+          </a:p>
+        </p:txBody>
+      </p:sp>
+      <p:sp>
+        <p:nvSpPr>
+          <p:cNvPr id="3" name="Content Placeholder 2"/>
+          <p:cNvSpPr>
+            <a:spLocks noGrp="1"/>
+          </p:cNvSpPr>
+          <p:nvPr>
+            <p:ph idx="1"/>
+          </p:nvPr>
+        </p:nvSpPr>
+        <p:spPr/>
+        <p:txBody>
+          <a:bodyPr/>
+          <a:lstStyle/>
+          <a:p>
+            <a:r>
+              <a:rPr lang="en-US" dirty="0" smtClean="0"/>
+              <a:t>requirements.txt</a:t>
+            </a:r>
+          </a:p>
+          <a:p>
+            <a:pPr lvl="1"/>
+            <a:r>
+              <a:rPr lang="en-US" dirty="0" smtClean="0"/>
+              <a:t>pip freeze &gt; requirements.txt</a:t>
+            </a:r>
+          </a:p>
+          <a:p>
+            <a:endParaRPr lang="en-US" dirty="0"/>
+          </a:p>
+        </p:txBody>
+      </p:sp>
+      <p:sp>
+        <p:nvSpPr>
+          <p:cNvPr id="4" name="Slide Number Placeholder 3"/>
+          <p:cNvSpPr>
+            <a:spLocks noGrp="1"/>
+          </p:cNvSpPr>
+          <p:nvPr>
+            <p:ph type="sldNum" sz="quarter" idx="12"/>
+          </p:nvPr>
+        </p:nvSpPr>
+        <p:spPr/>
+        <p:txBody>
+          <a:bodyPr/>
+          <a:lstStyle/>
+          <a:p>
+            <a:r>
+              <a:rPr lang="en-US" smtClean="0"/>
+              <a:t>Anderson / IGCT / </a:t>
+            </a:r>
+            <a:fld id="{EC285173-8AC7-4236-B89E-5E6DC9142DC2}" type="slidenum">
+              <a:rPr lang="en-US" smtClean="0"/>
+              <a:pPr/>
+              <a:t>7</a:t>
+            </a:fld>
+            <a:endParaRPr lang="en-US" dirty="0" smtClean="0"/>
+          </a:p>
+        </p:txBody>
+      </p:sp>
+    </p:spTree>
+    <p:extLst>
+      <p:ext uri="{BB962C8B-B14F-4D97-AF65-F5344CB8AC3E}">
+        <p14:creationId xmlns:p14="http://schemas.microsoft.com/office/powerpoint/2010/main" val="4090660758"/>
+      </p:ext>
+    </p:extLst>
+  </p:cSld>
+  <p:clrMapOvr>
+    <a:masterClrMapping/>
+  </p:clrMapOvr>
+  <p:timing>
+    <p:tnLst>
+      <p:par>
+        <p:cTn id="1" dur="indefinite" restart="never" nodeType="tmRoot"/>
+      </p:par>
+    </p:tnLst>
+  </p:timing>
+</p:sld>
+</file>
+
+<file path=ppt/slides/slide8.xml><?xml version="1.0" encoding="utf-8"?>
+<p:sld xmlns:a="http://schemas.openxmlformats.org/drawingml/2006/main" xmlns:r="http://schemas.openxmlformats.org/officeDocument/2006/relationships" xmlns:p="http://schemas.openxmlformats.org/presentationml/2006/main">
+  <p:cSld>
+    <p:spTree>
+      <p:nvGrpSpPr>
+        <p:cNvPr id="1" name=""/>
+        <p:cNvGrpSpPr/>
+        <p:nvPr/>
+      </p:nvGrpSpPr>
+      <p:grpSpPr>
+        <a:xfrm>
+          <a:off x="0" y="0"/>
+          <a:ext cx="0" cy="0"/>
+          <a:chOff x="0" y="0"/>
+          <a:chExt cx="0" cy="0"/>
+        </a:xfrm>
+      </p:grpSpPr>
+      <p:sp>
+        <p:nvSpPr>
+          <p:cNvPr id="2" name="Title 1"/>
+          <p:cNvSpPr>
+            <a:spLocks noGrp="1"/>
+          </p:cNvSpPr>
+          <p:nvPr>
+            <p:ph type="title"/>
+          </p:nvPr>
+        </p:nvSpPr>
+        <p:spPr/>
+        <p:txBody>
+          <a:bodyPr/>
+          <a:lstStyle/>
+          <a:p>
+            <a:r>
+              <a:rPr lang="en-US" dirty="0" smtClean="0"/>
+              <a:t>Things to cover: Forking</a:t>
+            </a:r>
+            <a:endParaRPr lang="en-US" dirty="0"/>
+          </a:p>
+        </p:txBody>
+      </p:sp>
+      <p:sp>
+        <p:nvSpPr>
+          <p:cNvPr id="3" name="Content Placeholder 2"/>
+          <p:cNvSpPr>
+            <a:spLocks noGrp="1"/>
+          </p:cNvSpPr>
+          <p:nvPr>
+            <p:ph idx="1"/>
+          </p:nvPr>
+        </p:nvSpPr>
+        <p:spPr/>
+        <p:txBody>
+          <a:bodyPr/>
+          <a:lstStyle/>
+          <a:p>
+            <a:r>
+              <a:rPr lang="en-US" dirty="0" smtClean="0"/>
+              <a:t>Attempt clone, commit push</a:t>
+            </a:r>
+          </a:p>
+          <a:p>
+            <a:endParaRPr lang="en-US" dirty="0"/>
+          </a:p>
+          <a:p>
+            <a:endParaRPr lang="en-US" dirty="0"/>
+          </a:p>
+        </p:txBody>
+      </p:sp>
+      <p:sp>
+        <p:nvSpPr>
+          <p:cNvPr id="4" name="Slide Number Placeholder 3"/>
+          <p:cNvSpPr>
+            <a:spLocks noGrp="1"/>
+          </p:cNvSpPr>
+          <p:nvPr>
+            <p:ph type="sldNum" sz="quarter" idx="12"/>
+          </p:nvPr>
+        </p:nvSpPr>
+        <p:spPr/>
+        <p:txBody>
+          <a:bodyPr/>
+          <a:lstStyle/>
+          <a:p>
+            <a:r>
+              <a:rPr lang="en-US" smtClean="0"/>
+              <a:t>Anderson / IGCT / </a:t>
+            </a:r>
+            <a:fld id="{EC285173-8AC7-4236-B89E-5E6DC9142DC2}" type="slidenum">
+              <a:rPr lang="en-US" smtClean="0"/>
+              <a:pPr/>
+              <a:t>8</a:t>
+            </a:fld>
+            <a:endParaRPr lang="en-US" dirty="0" smtClean="0"/>
+          </a:p>
+        </p:txBody>
+      </p:sp>
+    </p:spTree>
+    <p:extLst>
+      <p:ext uri="{BB962C8B-B14F-4D97-AF65-F5344CB8AC3E}">
+        <p14:creationId xmlns:p14="http://schemas.microsoft.com/office/powerpoint/2010/main" val="1665662346"/>
+      </p:ext>
+    </p:extLst>
+  </p:cSld>
+  <p:clrMapOvr>
+    <a:masterClrMapping/>
+  </p:clrMapOvr>
+  <p:timing>
+    <p:tnLst>
+      <p:par>
+        <p:cTn id="1" dur="indefinite" restart="never" nodeType="tmRoot"/>
+      </p:par>
+    </p:tnLst>
+  </p:timing>
 </p:sld>
 </file>
 

--- a/Presentation.pptx
+++ b/Presentation.pptx
@@ -204,7 +204,7 @@
           <a:p>
             <a:fld id="{681670DE-4FF0-44D2-86AC-52AF9D31D086}" type="datetimeFigureOut">
               <a:rPr lang="en-US" smtClean="0"/>
-              <a:t>11/8/2021</a:t>
+              <a:t>11/10/2021</a:t>
             </a:fld>
             <a:endParaRPr lang="en-US"/>
           </a:p>
@@ -603,7 +603,7 @@
           <a:p>
             <a:fld id="{38FC2247-AAE6-4F12-81DB-4812DEEFF984}" type="datetime1">
               <a:rPr lang="en-US" smtClean="0"/>
-              <a:t>11/8/2021</a:t>
+              <a:t>11/10/2021</a:t>
             </a:fld>
             <a:endParaRPr lang="en-US"/>
           </a:p>
@@ -773,7 +773,7 @@
           <a:p>
             <a:fld id="{6662FFFE-44F1-4E77-9ADE-8FC1F4FD6251}" type="datetime1">
               <a:rPr lang="en-US" smtClean="0"/>
-              <a:t>11/8/2021</a:t>
+              <a:t>11/10/2021</a:t>
             </a:fld>
             <a:endParaRPr lang="en-US"/>
           </a:p>
@@ -953,7 +953,7 @@
           <a:p>
             <a:fld id="{EAB35F54-FB9E-452B-A57B-A42453AF26E0}" type="datetime1">
               <a:rPr lang="en-US" smtClean="0"/>
-              <a:t>11/8/2021</a:t>
+              <a:t>11/10/2021</a:t>
             </a:fld>
             <a:endParaRPr lang="en-US"/>
           </a:p>
@@ -1123,7 +1123,7 @@
           <a:p>
             <a:fld id="{75C335D2-3ABF-410C-B359-9BCE0DD2B8E4}" type="datetime1">
               <a:rPr lang="en-US" smtClean="0"/>
-              <a:t>11/8/2021</a:t>
+              <a:t>11/10/2021</a:t>
             </a:fld>
             <a:endParaRPr lang="en-US"/>
           </a:p>
@@ -1404,7 +1404,7 @@
           <a:p>
             <a:fld id="{EBBB206D-BA44-4076-A856-0630E09A5791}" type="datetime1">
               <a:rPr lang="en-US" smtClean="0"/>
-              <a:t>11/8/2021</a:t>
+              <a:t>11/10/2021</a:t>
             </a:fld>
             <a:endParaRPr lang="en-US"/>
           </a:p>
@@ -1636,7 +1636,7 @@
           <a:p>
             <a:fld id="{3EEF5C2E-C769-448C-AAD3-1930182FD15F}" type="datetime1">
               <a:rPr lang="en-US" smtClean="0"/>
-              <a:t>11/8/2021</a:t>
+              <a:t>11/10/2021</a:t>
             </a:fld>
             <a:endParaRPr lang="en-US"/>
           </a:p>
@@ -2003,7 +2003,7 @@
           <a:p>
             <a:fld id="{811BBF11-C9DF-437C-B5E6-CFC5B8D55F83}" type="datetime1">
               <a:rPr lang="en-US" smtClean="0"/>
-              <a:t>11/8/2021</a:t>
+              <a:t>11/10/2021</a:t>
             </a:fld>
             <a:endParaRPr lang="en-US"/>
           </a:p>
@@ -2121,7 +2121,7 @@
           <a:p>
             <a:fld id="{7B47ABFD-B8E1-4FB5-BE09-E66DA2315B26}" type="datetime1">
               <a:rPr lang="en-US" smtClean="0"/>
-              <a:t>11/8/2021</a:t>
+              <a:t>11/10/2021</a:t>
             </a:fld>
             <a:endParaRPr lang="en-US"/>
           </a:p>
@@ -2216,7 +2216,7 @@
           <a:p>
             <a:fld id="{E22B4BA3-1D68-4A37-8CEC-4CAE7088A511}" type="datetime1">
               <a:rPr lang="en-US" smtClean="0"/>
-              <a:t>11/8/2021</a:t>
+              <a:t>11/10/2021</a:t>
             </a:fld>
             <a:endParaRPr lang="en-US"/>
           </a:p>
@@ -2493,7 +2493,7 @@
           <a:p>
             <a:fld id="{EBECA402-2E49-4C9D-B19B-AC1B13AFE9B0}" type="datetime1">
               <a:rPr lang="en-US" smtClean="0"/>
-              <a:t>11/8/2021</a:t>
+              <a:t>11/10/2021</a:t>
             </a:fld>
             <a:endParaRPr lang="en-US"/>
           </a:p>
@@ -2746,7 +2746,7 @@
           <a:p>
             <a:fld id="{8C56B855-FE9F-45EA-AE2F-8A8779580460}" type="datetime1">
               <a:rPr lang="en-US" smtClean="0"/>
-              <a:t>11/8/2021</a:t>
+              <a:t>11/10/2021</a:t>
             </a:fld>
             <a:endParaRPr lang="en-US"/>
           </a:p>
@@ -2959,7 +2959,7 @@
           <a:p>
             <a:fld id="{44582B33-3A41-482B-9E66-49107F12081D}" type="datetime1">
               <a:rPr lang="en-US" smtClean="0"/>
-              <a:t>11/8/2021</a:t>
+              <a:t>11/10/2021</a:t>
             </a:fld>
             <a:endParaRPr lang="en-US"/>
           </a:p>
@@ -4236,11 +4236,7 @@
               <a:pPr algn="ctr"/>
               <a:r>
                 <a:rPr lang="en-US" sz="3400" dirty="0" smtClean="0"/>
-                <a:t>Code_New</a:t>
-              </a:r>
-              <a:r>
-                <a:rPr lang="en-US" sz="3400" dirty="0" smtClean="0"/>
-                <a:t>.py</a:t>
+                <a:t>Code_New.py</a:t>
               </a:r>
               <a:endParaRPr lang="en-US" sz="3400" dirty="0"/>
             </a:p>
@@ -4896,40 +4892,6 @@
           </a:prstGeom>
         </p:spPr>
       </p:pic>
-      <p:sp>
-        <p:nvSpPr>
-          <p:cNvPr id="7" name="TextBox 6"/>
-          <p:cNvSpPr txBox="1"/>
-          <p:nvPr/>
-        </p:nvSpPr>
-        <p:spPr>
-          <a:xfrm>
-            <a:off x="129540" y="1988820"/>
-            <a:ext cx="2013756" cy="369332"/>
-          </a:xfrm>
-          <a:prstGeom prst="rect">
-            <a:avLst/>
-          </a:prstGeom>
-          <a:noFill/>
-        </p:spPr>
-        <p:txBody>
-          <a:bodyPr wrap="none" rtlCol="0">
-            <a:spAutoFit/>
-          </a:bodyPr>
-          <a:lstStyle/>
-          <a:p>
-            <a:r>
-              <a:rPr lang="en-US" dirty="0" err="1" smtClean="0"/>
-              <a:t>git</a:t>
-            </a:r>
-            <a:r>
-              <a:rPr lang="en-US" smtClean="0"/>
-              <a:t> branch –M main</a:t>
-            </a:r>
-            <a:endParaRPr lang="en-US" dirty="0"/>
-          </a:p>
-        </p:txBody>
-      </p:sp>
     </p:spTree>
     <p:extLst>
       <p:ext uri="{BB962C8B-B14F-4D97-AF65-F5344CB8AC3E}">

--- a/Presentation.pptx
+++ b/Presentation.pptx
@@ -204,7 +204,7 @@
           <a:p>
             <a:fld id="{681670DE-4FF0-44D2-86AC-52AF9D31D086}" type="datetimeFigureOut">
               <a:rPr lang="en-US" smtClean="0"/>
-              <a:t>11/10/2021</a:t>
+              <a:t>12/1/2021</a:t>
             </a:fld>
             <a:endParaRPr lang="en-US"/>
           </a:p>
@@ -603,7 +603,7 @@
           <a:p>
             <a:fld id="{38FC2247-AAE6-4F12-81DB-4812DEEFF984}" type="datetime1">
               <a:rPr lang="en-US" smtClean="0"/>
-              <a:t>11/10/2021</a:t>
+              <a:t>12/1/2021</a:t>
             </a:fld>
             <a:endParaRPr lang="en-US"/>
           </a:p>
@@ -773,7 +773,7 @@
           <a:p>
             <a:fld id="{6662FFFE-44F1-4E77-9ADE-8FC1F4FD6251}" type="datetime1">
               <a:rPr lang="en-US" smtClean="0"/>
-              <a:t>11/10/2021</a:t>
+              <a:t>12/1/2021</a:t>
             </a:fld>
             <a:endParaRPr lang="en-US"/>
           </a:p>
@@ -953,7 +953,7 @@
           <a:p>
             <a:fld id="{EAB35F54-FB9E-452B-A57B-A42453AF26E0}" type="datetime1">
               <a:rPr lang="en-US" smtClean="0"/>
-              <a:t>11/10/2021</a:t>
+              <a:t>12/1/2021</a:t>
             </a:fld>
             <a:endParaRPr lang="en-US"/>
           </a:p>
@@ -1123,7 +1123,7 @@
           <a:p>
             <a:fld id="{75C335D2-3ABF-410C-B359-9BCE0DD2B8E4}" type="datetime1">
               <a:rPr lang="en-US" smtClean="0"/>
-              <a:t>11/10/2021</a:t>
+              <a:t>12/1/2021</a:t>
             </a:fld>
             <a:endParaRPr lang="en-US"/>
           </a:p>
@@ -1404,7 +1404,7 @@
           <a:p>
             <a:fld id="{EBBB206D-BA44-4076-A856-0630E09A5791}" type="datetime1">
               <a:rPr lang="en-US" smtClean="0"/>
-              <a:t>11/10/2021</a:t>
+              <a:t>12/1/2021</a:t>
             </a:fld>
             <a:endParaRPr lang="en-US"/>
           </a:p>
@@ -1636,7 +1636,7 @@
           <a:p>
             <a:fld id="{3EEF5C2E-C769-448C-AAD3-1930182FD15F}" type="datetime1">
               <a:rPr lang="en-US" smtClean="0"/>
-              <a:t>11/10/2021</a:t>
+              <a:t>12/1/2021</a:t>
             </a:fld>
             <a:endParaRPr lang="en-US"/>
           </a:p>
@@ -2003,7 +2003,7 @@
           <a:p>
             <a:fld id="{811BBF11-C9DF-437C-B5E6-CFC5B8D55F83}" type="datetime1">
               <a:rPr lang="en-US" smtClean="0"/>
-              <a:t>11/10/2021</a:t>
+              <a:t>12/1/2021</a:t>
             </a:fld>
             <a:endParaRPr lang="en-US"/>
           </a:p>
@@ -2121,7 +2121,7 @@
           <a:p>
             <a:fld id="{7B47ABFD-B8E1-4FB5-BE09-E66DA2315B26}" type="datetime1">
               <a:rPr lang="en-US" smtClean="0"/>
-              <a:t>11/10/2021</a:t>
+              <a:t>12/1/2021</a:t>
             </a:fld>
             <a:endParaRPr lang="en-US"/>
           </a:p>
@@ -2216,7 +2216,7 @@
           <a:p>
             <a:fld id="{E22B4BA3-1D68-4A37-8CEC-4CAE7088A511}" type="datetime1">
               <a:rPr lang="en-US" smtClean="0"/>
-              <a:t>11/10/2021</a:t>
+              <a:t>12/1/2021</a:t>
             </a:fld>
             <a:endParaRPr lang="en-US"/>
           </a:p>
@@ -2493,7 +2493,7 @@
           <a:p>
             <a:fld id="{EBECA402-2E49-4C9D-B19B-AC1B13AFE9B0}" type="datetime1">
               <a:rPr lang="en-US" smtClean="0"/>
-              <a:t>11/10/2021</a:t>
+              <a:t>12/1/2021</a:t>
             </a:fld>
             <a:endParaRPr lang="en-US"/>
           </a:p>
@@ -2746,7 +2746,7 @@
           <a:p>
             <a:fld id="{8C56B855-FE9F-45EA-AE2F-8A8779580460}" type="datetime1">
               <a:rPr lang="en-US" smtClean="0"/>
-              <a:t>11/10/2021</a:t>
+              <a:t>12/1/2021</a:t>
             </a:fld>
             <a:endParaRPr lang="en-US"/>
           </a:p>
@@ -2959,7 +2959,7 @@
           <a:p>
             <a:fld id="{44582B33-3A41-482B-9E66-49107F12081D}" type="datetime1">
               <a:rPr lang="en-US" smtClean="0"/>
-              <a:t>11/10/2021</a:t>
+              <a:t>12/1/2021</a:t>
             </a:fld>
             <a:endParaRPr lang="en-US"/>
           </a:p>
@@ -3440,7 +3440,7 @@
         <p:spPr>
           <a:xfrm>
             <a:off x="720436" y="3082243"/>
-            <a:ext cx="4752111" cy="1446550"/>
+            <a:ext cx="4752111" cy="1138773"/>
           </a:xfrm>
           <a:prstGeom prst="rect">
             <a:avLst/>
@@ -3483,7 +3483,7 @@
                 <a:latin typeface="Arial" panose="020B0604020202020204" pitchFamily="34" charset="0"/>
                 <a:cs typeface="Arial" panose="020B0604020202020204" pitchFamily="34" charset="0"/>
               </a:rPr>
-              <a:t>November 11</a:t>
+              <a:t>December 2</a:t>
             </a:r>
             <a:r>
               <a:rPr lang="en-US" sz="2000" baseline="30000" dirty="0" smtClean="0">
@@ -3493,7 +3493,7 @@
                 <a:latin typeface="Arial" panose="020B0604020202020204" pitchFamily="34" charset="0"/>
                 <a:cs typeface="Arial" panose="020B0604020202020204" pitchFamily="34" charset="0"/>
               </a:rPr>
-              <a:t>th</a:t>
+              <a:t>nd</a:t>
             </a:r>
             <a:r>
               <a:rPr lang="en-US" sz="2000" dirty="0" smtClean="0">
@@ -3503,10 +3503,8 @@
                 <a:latin typeface="Arial" panose="020B0604020202020204" pitchFamily="34" charset="0"/>
                 <a:cs typeface="Arial" panose="020B0604020202020204" pitchFamily="34" charset="0"/>
               </a:rPr>
-              <a:t>, 2021</a:t>
-            </a:r>
-          </a:p>
-          <a:p>
+              <a:t>, </a:t>
+            </a:r>
             <a:r>
               <a:rPr lang="en-US" sz="2000" dirty="0" smtClean="0">
                 <a:solidFill>
@@ -3515,7 +3513,19 @@
                 <a:latin typeface="Arial" panose="020B0604020202020204" pitchFamily="34" charset="0"/>
                 <a:cs typeface="Arial" panose="020B0604020202020204" pitchFamily="34" charset="0"/>
               </a:rPr>
-              <a:t>Image Guided Cancer Therapy (IGCT) Research Program</a:t>
+              <a:t>2021</a:t>
+            </a:r>
+          </a:p>
+          <a:p>
+            <a:r>
+              <a:rPr lang="en-US" sz="2000" dirty="0" smtClean="0">
+                <a:solidFill>
+                  <a:srgbClr val="58595B"/>
+                </a:solidFill>
+                <a:latin typeface="Arial" panose="020B0604020202020204" pitchFamily="34" charset="0"/>
+                <a:cs typeface="Arial" panose="020B0604020202020204" pitchFamily="34" charset="0"/>
+              </a:rPr>
+              <a:t>Physics Research Meeting</a:t>
             </a:r>
             <a:endParaRPr lang="en-US" sz="2000" dirty="0">
               <a:solidFill>
